--- a/lecture notes ergogenic aids part 2 week 11.pptx
+++ b/lecture notes ergogenic aids part 2 week 11.pptx
@@ -236,7 +236,7 @@
           <a:p>
             <a:fld id="{BAFCEF5D-9C2C-4CE7-83AD-43E20385A628}" type="datetimeFigureOut">
               <a:rPr lang="en-US" smtClean="0"/>
-              <a:t>4/3/2018</a:t>
+              <a:t>4/4/2018</a:t>
             </a:fld>
             <a:endParaRPr lang="en-US"/>
           </a:p>
@@ -401,7 +401,7 @@
           <a:p>
             <a:fld id="{96C56202-30AE-4D0A-AD34-8ABC1B8176EE}" type="datetimeFigureOut">
               <a:rPr lang="en-US" smtClean="0"/>
-              <a:t>4/3/2018</a:t>
+              <a:t>4/4/2018</a:t>
             </a:fld>
             <a:endParaRPr lang="en-US"/>
           </a:p>
@@ -6279,7 +6279,7 @@
           <a:p>
             <a:fld id="{B83D47E6-D48C-4537-880A-2EA27084F1FE}" type="datetimeFigureOut">
               <a:rPr lang="en-US" smtClean="0"/>
-              <a:t>4/3/2018</a:t>
+              <a:t>4/4/2018</a:t>
             </a:fld>
             <a:endParaRPr lang="en-US"/>
           </a:p>
@@ -6447,7 +6447,7 @@
           <a:p>
             <a:fld id="{B83D47E6-D48C-4537-880A-2EA27084F1FE}" type="datetimeFigureOut">
               <a:rPr lang="en-US" smtClean="0"/>
-              <a:t>4/3/2018</a:t>
+              <a:t>4/4/2018</a:t>
             </a:fld>
             <a:endParaRPr lang="en-US"/>
           </a:p>
@@ -6625,7 +6625,7 @@
           <a:p>
             <a:fld id="{B83D47E6-D48C-4537-880A-2EA27084F1FE}" type="datetimeFigureOut">
               <a:rPr lang="en-US" smtClean="0"/>
-              <a:t>4/3/2018</a:t>
+              <a:t>4/4/2018</a:t>
             </a:fld>
             <a:endParaRPr lang="en-US"/>
           </a:p>
@@ -6793,7 +6793,7 @@
           <a:p>
             <a:fld id="{B83D47E6-D48C-4537-880A-2EA27084F1FE}" type="datetimeFigureOut">
               <a:rPr lang="en-US" smtClean="0"/>
-              <a:t>4/3/2018</a:t>
+              <a:t>4/4/2018</a:t>
             </a:fld>
             <a:endParaRPr lang="en-US"/>
           </a:p>
@@ -7038,7 +7038,7 @@
           <a:p>
             <a:fld id="{B83D47E6-D48C-4537-880A-2EA27084F1FE}" type="datetimeFigureOut">
               <a:rPr lang="en-US" smtClean="0"/>
-              <a:t>4/3/2018</a:t>
+              <a:t>4/4/2018</a:t>
             </a:fld>
             <a:endParaRPr lang="en-US"/>
           </a:p>
@@ -7323,7 +7323,7 @@
           <a:p>
             <a:fld id="{B83D47E6-D48C-4537-880A-2EA27084F1FE}" type="datetimeFigureOut">
               <a:rPr lang="en-US" smtClean="0"/>
-              <a:t>4/3/2018</a:t>
+              <a:t>4/4/2018</a:t>
             </a:fld>
             <a:endParaRPr lang="en-US"/>
           </a:p>
@@ -7742,7 +7742,7 @@
           <a:p>
             <a:fld id="{B83D47E6-D48C-4537-880A-2EA27084F1FE}" type="datetimeFigureOut">
               <a:rPr lang="en-US" smtClean="0"/>
-              <a:t>4/3/2018</a:t>
+              <a:t>4/4/2018</a:t>
             </a:fld>
             <a:endParaRPr lang="en-US"/>
           </a:p>
@@ -7859,7 +7859,7 @@
           <a:p>
             <a:fld id="{B83D47E6-D48C-4537-880A-2EA27084F1FE}" type="datetimeFigureOut">
               <a:rPr lang="en-US" smtClean="0"/>
-              <a:t>4/3/2018</a:t>
+              <a:t>4/4/2018</a:t>
             </a:fld>
             <a:endParaRPr lang="en-US"/>
           </a:p>
@@ -7954,7 +7954,7 @@
           <a:p>
             <a:fld id="{B83D47E6-D48C-4537-880A-2EA27084F1FE}" type="datetimeFigureOut">
               <a:rPr lang="en-US" smtClean="0"/>
-              <a:t>4/3/2018</a:t>
+              <a:t>4/4/2018</a:t>
             </a:fld>
             <a:endParaRPr lang="en-US"/>
           </a:p>
@@ -8229,7 +8229,7 @@
           <a:p>
             <a:fld id="{B83D47E6-D48C-4537-880A-2EA27084F1FE}" type="datetimeFigureOut">
               <a:rPr lang="en-US" smtClean="0"/>
-              <a:t>4/3/2018</a:t>
+              <a:t>4/4/2018</a:t>
             </a:fld>
             <a:endParaRPr lang="en-US"/>
           </a:p>
@@ -8481,7 +8481,7 @@
           <a:p>
             <a:fld id="{B83D47E6-D48C-4537-880A-2EA27084F1FE}" type="datetimeFigureOut">
               <a:rPr lang="en-US" smtClean="0"/>
-              <a:t>4/3/2018</a:t>
+              <a:t>4/4/2018</a:t>
             </a:fld>
             <a:endParaRPr lang="en-US"/>
           </a:p>
@@ -8692,7 +8692,7 @@
           <a:p>
             <a:fld id="{B83D47E6-D48C-4537-880A-2EA27084F1FE}" type="datetimeFigureOut">
               <a:rPr lang="en-US" smtClean="0"/>
-              <a:t>4/3/2018</a:t>
+              <a:t>4/4/2018</a:t>
             </a:fld>
             <a:endParaRPr lang="en-US"/>
           </a:p>
@@ -9142,7 +9142,7 @@
         </p:nvSpPr>
         <p:spPr>
           <a:xfrm>
-            <a:off x="138319" y="384313"/>
+            <a:off x="244336" y="228600"/>
             <a:ext cx="7283676" cy="1336659"/>
           </a:xfrm>
         </p:spPr>
@@ -9222,6 +9222,71 @@
               <a:latin typeface="Arial" panose="020B0604020202020204" pitchFamily="34" charset="0"/>
               <a:cs typeface="Arial" panose="020B0604020202020204" pitchFamily="34" charset="0"/>
             </a:endParaRPr>
+          </a:p>
+        </p:txBody>
+      </p:sp>
+      <p:sp>
+        <p:nvSpPr>
+          <p:cNvPr id="2" name="TextBox 1">
+            <a:extLst>
+              <a:ext uri="{FF2B5EF4-FFF2-40B4-BE49-F238E27FC236}">
+                <a16:creationId xmlns:a16="http://schemas.microsoft.com/office/drawing/2014/main" id="{00010B3F-140A-4A9E-B8BC-86CC305578F7}"/>
+              </a:ext>
+            </a:extLst>
+          </p:cNvPr>
+          <p:cNvSpPr txBox="1"/>
+          <p:nvPr/>
+        </p:nvSpPr>
+        <p:spPr>
+          <a:xfrm>
+            <a:off x="381000" y="1752600"/>
+            <a:ext cx="8077200" cy="2031325"/>
+          </a:xfrm>
+          <a:prstGeom prst="rect">
+            <a:avLst/>
+          </a:prstGeom>
+          <a:noFill/>
+        </p:spPr>
+        <p:txBody>
+          <a:bodyPr wrap="square" rtlCol="0">
+            <a:spAutoFit/>
+          </a:bodyPr>
+          <a:lstStyle/>
+          <a:p>
+            <a:r>
+              <a:rPr lang="en-US" dirty="0"/>
+              <a:t>Few data suggest that healthy adults require carnitine above levels in a well-balanced diet</a:t>
+            </a:r>
+          </a:p>
+          <a:p>
+            <a:r>
+              <a:rPr lang="en-US" dirty="0"/>
+              <a:t>Research shows:</a:t>
+            </a:r>
+          </a:p>
+          <a:p>
+            <a:r>
+              <a:rPr lang="en-US" dirty="0"/>
+              <a:t>No ergogenic benefits </a:t>
+            </a:r>
+          </a:p>
+          <a:p>
+            <a:r>
+              <a:rPr lang="en-US" dirty="0"/>
+              <a:t>No positive metabolic alterations aerobic or anaerobic </a:t>
+            </a:r>
+          </a:p>
+          <a:p>
+            <a:r>
+              <a:rPr lang="en-US" dirty="0"/>
+              <a:t>No enhanced recovery effect </a:t>
+            </a:r>
+          </a:p>
+          <a:p>
+            <a:r>
+              <a:rPr lang="en-US" dirty="0"/>
+              <a:t>No body fat-reducing effects</a:t>
+            </a:r>
           </a:p>
         </p:txBody>
       </p:sp>
@@ -9327,10 +9392,33 @@
           <a:lstStyle/>
           <a:p>
             <a:pPr eaLnBrk="1" hangingPunct="1"/>
-            <a:endParaRPr lang="en-US" altLang="en-US" sz="2800" dirty="0">
-              <a:latin typeface="Arial" panose="020B0604020202020204" pitchFamily="34" charset="0"/>
-              <a:cs typeface="Arial" panose="020B0604020202020204" pitchFamily="34" charset="0"/>
-            </a:endParaRPr>
+            <a:r>
+              <a:rPr lang="en-US" altLang="en-US" sz="2800" dirty="0">
+                <a:latin typeface="Arial" panose="020B0604020202020204" pitchFamily="34" charset="0"/>
+                <a:cs typeface="Arial" panose="020B0604020202020204" pitchFamily="34" charset="0"/>
+              </a:rPr>
+              <a:t>Acts as a vasodilator in peripheral tissues </a:t>
+            </a:r>
+          </a:p>
+          <a:p>
+            <a:pPr eaLnBrk="1" hangingPunct="1"/>
+            <a:r>
+              <a:rPr lang="en-US" altLang="en-US" sz="2800" dirty="0">
+                <a:latin typeface="Arial" panose="020B0604020202020204" pitchFamily="34" charset="0"/>
+                <a:cs typeface="Arial" panose="020B0604020202020204" pitchFamily="34" charset="0"/>
+              </a:rPr>
+              <a:t>May enhance regional blood flow and oxygen delivery</a:t>
+            </a:r>
+          </a:p>
+          <a:p>
+            <a:pPr eaLnBrk="1" hangingPunct="1"/>
+            <a:r>
+              <a:rPr lang="en-US" altLang="en-US" sz="2800" dirty="0">
+                <a:latin typeface="Arial" panose="020B0604020202020204" pitchFamily="34" charset="0"/>
+                <a:cs typeface="Arial" panose="020B0604020202020204" pitchFamily="34" charset="0"/>
+              </a:rPr>
+              <a:t>Might improve oxygen supply to injured tissue and promote  clearance of muscle damage byproducts</a:t>
+            </a:r>
           </a:p>
         </p:txBody>
       </p:sp>
@@ -9397,6 +9485,53 @@
           </a:p>
         </p:txBody>
       </p:sp>
+      <p:sp>
+        <p:nvSpPr>
+          <p:cNvPr id="2" name="TextBox 1">
+            <a:extLst>
+              <a:ext uri="{FF2B5EF4-FFF2-40B4-BE49-F238E27FC236}">
+                <a16:creationId xmlns:a16="http://schemas.microsoft.com/office/drawing/2014/main" id="{41EC89B5-A65F-4EFF-A839-C536B69357BC}"/>
+              </a:ext>
+            </a:extLst>
+          </p:cNvPr>
+          <p:cNvSpPr txBox="1"/>
+          <p:nvPr/>
+        </p:nvSpPr>
+        <p:spPr>
+          <a:xfrm>
+            <a:off x="762000" y="1402921"/>
+            <a:ext cx="6858000" cy="1477328"/>
+          </a:xfrm>
+          <a:prstGeom prst="rect">
+            <a:avLst/>
+          </a:prstGeom>
+          <a:noFill/>
+        </p:spPr>
+        <p:txBody>
+          <a:bodyPr wrap="square" rtlCol="0">
+            <a:spAutoFit/>
+          </a:bodyPr>
+          <a:lstStyle/>
+          <a:p>
+            <a:r>
+              <a:rPr lang="en-US" dirty="0"/>
+              <a:t>For athletes with chromium-deficient diets, prudent use of chromium supplements seem appropriate </a:t>
+            </a:r>
+          </a:p>
+          <a:p>
+            <a:r>
+              <a:rPr lang="en-US" dirty="0"/>
+              <a:t>Poor intestinal absorption of chromium chloride is a main hindrance to effective supplementation </a:t>
+            </a:r>
+          </a:p>
+          <a:p>
+            <a:r>
+              <a:rPr lang="en-US" dirty="0"/>
+              <a:t>Chromium picolinate is absorbed better by the body </a:t>
+            </a:r>
+          </a:p>
+        </p:txBody>
+      </p:sp>
     </p:spTree>
     <p:extLst>
       <p:ext uri="{BB962C8B-B14F-4D97-AF65-F5344CB8AC3E}">
@@ -9460,6 +9595,47 @@
           </a:p>
         </p:txBody>
       </p:sp>
+      <p:sp>
+        <p:nvSpPr>
+          <p:cNvPr id="2" name="TextBox 1">
+            <a:extLst>
+              <a:ext uri="{FF2B5EF4-FFF2-40B4-BE49-F238E27FC236}">
+                <a16:creationId xmlns:a16="http://schemas.microsoft.com/office/drawing/2014/main" id="{DFF5302B-7981-41E4-B212-7371CD83AC3D}"/>
+              </a:ext>
+            </a:extLst>
+          </p:cNvPr>
+          <p:cNvSpPr txBox="1"/>
+          <p:nvPr/>
+        </p:nvSpPr>
+        <p:spPr>
+          <a:xfrm>
+            <a:off x="1143000" y="1752600"/>
+            <a:ext cx="5181600" cy="923330"/>
+          </a:xfrm>
+          <a:prstGeom prst="rect">
+            <a:avLst/>
+          </a:prstGeom>
+          <a:noFill/>
+        </p:spPr>
+        <p:txBody>
+          <a:bodyPr wrap="square" rtlCol="0">
+            <a:spAutoFit/>
+          </a:bodyPr>
+          <a:lstStyle/>
+          <a:p>
+            <a:r>
+              <a:rPr lang="en-US" dirty="0"/>
+              <a:t>Completes with iron for binding to transferrin </a:t>
+            </a:r>
+          </a:p>
+          <a:p>
+            <a:r>
+              <a:rPr lang="en-US" dirty="0"/>
+              <a:t>Excessive dietary chromium inhibits zinc and iron absorption </a:t>
+            </a:r>
+          </a:p>
+        </p:txBody>
+      </p:sp>
     </p:spTree>
     <p:extLst>
       <p:ext uri="{BB962C8B-B14F-4D97-AF65-F5344CB8AC3E}">
@@ -9537,6 +9713,65 @@
           </a:p>
         </p:txBody>
       </p:sp>
+      <p:sp>
+        <p:nvSpPr>
+          <p:cNvPr id="2" name="TextBox 1">
+            <a:extLst>
+              <a:ext uri="{FF2B5EF4-FFF2-40B4-BE49-F238E27FC236}">
+                <a16:creationId xmlns:a16="http://schemas.microsoft.com/office/drawing/2014/main" id="{A27FBEA4-3DB6-427D-86E0-A0E1369E5EA9}"/>
+              </a:ext>
+            </a:extLst>
+          </p:cNvPr>
+          <p:cNvSpPr txBox="1"/>
+          <p:nvPr/>
+        </p:nvSpPr>
+        <p:spPr>
+          <a:xfrm>
+            <a:off x="304800" y="1295400"/>
+            <a:ext cx="9067800" cy="1477328"/>
+          </a:xfrm>
+          <a:prstGeom prst="rect">
+            <a:avLst/>
+          </a:prstGeom>
+          <a:noFill/>
+        </p:spPr>
+        <p:txBody>
+          <a:bodyPr wrap="square" rtlCol="0">
+            <a:spAutoFit/>
+          </a:bodyPr>
+          <a:lstStyle/>
+          <a:p>
+            <a:r>
+              <a:rPr lang="en-US" dirty="0"/>
+              <a:t>Found primarily in meats, peanuts, and soybean oil</a:t>
+            </a:r>
+          </a:p>
+          <a:p>
+            <a:r>
+              <a:rPr lang="en-US" dirty="0"/>
+              <a:t>Functions as an integral component of the mitochondrion’s electron transport system </a:t>
+            </a:r>
+          </a:p>
+          <a:p>
+            <a:r>
+              <a:rPr lang="en-US" dirty="0"/>
+              <a:t>Lipid soluble</a:t>
+            </a:r>
+          </a:p>
+          <a:p>
+            <a:r>
+              <a:rPr lang="en-US" dirty="0"/>
+              <a:t>Exists in high concentrations within myocardial tissue </a:t>
+            </a:r>
+          </a:p>
+          <a:p>
+            <a:r>
+              <a:rPr lang="en-US" dirty="0"/>
+              <a:t>Has antioxidant properties</a:t>
+            </a:r>
+          </a:p>
+        </p:txBody>
+      </p:sp>
     </p:spTree>
     <p:extLst>
       <p:ext uri="{BB962C8B-B14F-4D97-AF65-F5344CB8AC3E}">
@@ -9625,7 +9860,7 @@
         </p:spPr>
         <p:txBody>
           <a:bodyPr>
-            <a:normAutofit/>
+            <a:normAutofit lnSpcReduction="10000"/>
           </a:bodyPr>
           <a:lstStyle/>
           <a:p>
@@ -9657,6 +9892,56 @@
                 <a:cs typeface="Arial" panose="020B0604020202020204" pitchFamily="34" charset="0"/>
               </a:rPr>
               <a:t>:</a:t>
+            </a:r>
+          </a:p>
+          <a:p>
+            <a:pPr eaLnBrk="1" hangingPunct="1"/>
+            <a:r>
+              <a:rPr lang="en-US" altLang="en-US" dirty="0">
+                <a:latin typeface="Arial" panose="020B0604020202020204" pitchFamily="34" charset="0"/>
+                <a:cs typeface="Arial" panose="020B0604020202020204" pitchFamily="34" charset="0"/>
+              </a:rPr>
+              <a:t>Improve aerobic capacity </a:t>
+            </a:r>
+          </a:p>
+          <a:p>
+            <a:pPr eaLnBrk="1" hangingPunct="1"/>
+            <a:r>
+              <a:rPr lang="en-US" altLang="en-US" dirty="0">
+                <a:latin typeface="Arial" panose="020B0604020202020204" pitchFamily="34" charset="0"/>
+                <a:cs typeface="Arial" panose="020B0604020202020204" pitchFamily="34" charset="0"/>
+              </a:rPr>
+              <a:t>Improve endurance performance </a:t>
+            </a:r>
+          </a:p>
+          <a:p>
+            <a:pPr eaLnBrk="1" hangingPunct="1"/>
+            <a:r>
+              <a:rPr lang="en-US" altLang="en-US" dirty="0">
+                <a:latin typeface="Arial" panose="020B0604020202020204" pitchFamily="34" charset="0"/>
+                <a:cs typeface="Arial" panose="020B0604020202020204" pitchFamily="34" charset="0"/>
+              </a:rPr>
+              <a:t>Improve plasma glucose </a:t>
+            </a:r>
+          </a:p>
+          <a:p>
+            <a:pPr eaLnBrk="1" hangingPunct="1"/>
+            <a:r>
+              <a:rPr lang="en-US" altLang="en-US" dirty="0">
+                <a:latin typeface="Arial" panose="020B0604020202020204" pitchFamily="34" charset="0"/>
+                <a:cs typeface="Arial" panose="020B0604020202020204" pitchFamily="34" charset="0"/>
+              </a:rPr>
+              <a:t>Improve lactate levels at submaximal workloads </a:t>
+            </a:r>
+          </a:p>
+          <a:p>
+            <a:pPr eaLnBrk="1" hangingPunct="1"/>
+            <a:r>
+              <a:rPr lang="en-US" altLang="en-US" dirty="0">
+                <a:latin typeface="Arial" panose="020B0604020202020204" pitchFamily="34" charset="0"/>
+                <a:cs typeface="Arial" panose="020B0604020202020204" pitchFamily="34" charset="0"/>
+              </a:rPr>
+              <a:t>Improve cardiovascular function </a:t>
             </a:r>
           </a:p>
         </p:txBody>
@@ -9728,6 +10013,53 @@
           </a:p>
         </p:txBody>
       </p:sp>
+      <p:sp>
+        <p:nvSpPr>
+          <p:cNvPr id="2" name="TextBox 1">
+            <a:extLst>
+              <a:ext uri="{FF2B5EF4-FFF2-40B4-BE49-F238E27FC236}">
+                <a16:creationId xmlns:a16="http://schemas.microsoft.com/office/drawing/2014/main" id="{F4933D71-74D5-4D53-A869-23262D244385}"/>
+              </a:ext>
+            </a:extLst>
+          </p:cNvPr>
+          <p:cNvSpPr txBox="1"/>
+          <p:nvPr/>
+        </p:nvSpPr>
+        <p:spPr>
+          <a:xfrm>
+            <a:off x="533400" y="1447800"/>
+            <a:ext cx="7543800" cy="1200329"/>
+          </a:xfrm>
+          <a:prstGeom prst="rect">
+            <a:avLst/>
+          </a:prstGeom>
+          <a:noFill/>
+        </p:spPr>
+        <p:txBody>
+          <a:bodyPr wrap="square" rtlCol="0">
+            <a:spAutoFit/>
+          </a:bodyPr>
+          <a:lstStyle/>
+          <a:p>
+            <a:r>
+              <a:rPr lang="en-US" dirty="0"/>
+              <a:t>Meat , poultry , and fish provide rich sources of creatine </a:t>
+            </a:r>
+          </a:p>
+          <a:p>
+            <a:r>
+              <a:rPr lang="en-US" dirty="0"/>
+              <a:t>The body synthesizes about 1-2 g daily, primarily in the kidneys, liver, and pancreas, </a:t>
+            </a:r>
+          </a:p>
+          <a:p>
+            <a:r>
+              <a:rPr lang="en-US" dirty="0"/>
+              <a:t>Governing bodies do not consider creatine an illegal substance</a:t>
+            </a:r>
+          </a:p>
+        </p:txBody>
+      </p:sp>
     </p:spTree>
     <p:extLst>
       <p:ext uri="{BB962C8B-B14F-4D97-AF65-F5344CB8AC3E}">
@@ -9829,6 +10161,36 @@
               <a:t>Supplementation exerts the following 3 effects in individuals involved in power-type physical activities:</a:t>
             </a:r>
           </a:p>
+          <a:p>
+            <a:pPr eaLnBrk="1" hangingPunct="1"/>
+            <a:r>
+              <a:rPr lang="en-US" altLang="en-US" sz="2800" dirty="0">
+                <a:latin typeface="Arial" panose="020B0604020202020204" pitchFamily="34" charset="0"/>
+                <a:cs typeface="Arial" panose="020B0604020202020204" pitchFamily="34" charset="0"/>
+              </a:rPr>
+              <a:t>Improves repetitive performance in muscular strength and power activities</a:t>
+            </a:r>
+          </a:p>
+          <a:p>
+            <a:pPr eaLnBrk="1" hangingPunct="1"/>
+            <a:r>
+              <a:rPr lang="en-US" altLang="en-US" sz="2800" dirty="0">
+                <a:latin typeface="Arial" panose="020B0604020202020204" pitchFamily="34" charset="0"/>
+                <a:cs typeface="Arial" panose="020B0604020202020204" pitchFamily="34" charset="0"/>
+              </a:rPr>
+              <a:t>Augments short bursts of muscular endurance</a:t>
+            </a:r>
+          </a:p>
+          <a:p>
+            <a:pPr eaLnBrk="1" hangingPunct="1"/>
+            <a:r>
+              <a:rPr lang="en-US" altLang="en-US" sz="2800" dirty="0">
+                <a:latin typeface="Arial" panose="020B0604020202020204" pitchFamily="34" charset="0"/>
+                <a:cs typeface="Arial" panose="020B0604020202020204" pitchFamily="34" charset="0"/>
+              </a:rPr>
+              <a:t>Provides for greater muscular overload to enhance training effectiveness </a:t>
+            </a:r>
+          </a:p>
         </p:txBody>
       </p:sp>
     </p:spTree>
@@ -9908,6 +10270,50 @@
           </a:p>
         </p:txBody>
       </p:sp>
+      <p:sp>
+        <p:nvSpPr>
+          <p:cNvPr id="2" name="TextBox 1">
+            <a:extLst>
+              <a:ext uri="{FF2B5EF4-FFF2-40B4-BE49-F238E27FC236}">
+                <a16:creationId xmlns:a16="http://schemas.microsoft.com/office/drawing/2014/main" id="{E09A7955-0F10-49D9-AC88-621329B54BCB}"/>
+              </a:ext>
+            </a:extLst>
+          </p:cNvPr>
+          <p:cNvSpPr txBox="1"/>
+          <p:nvPr/>
+        </p:nvSpPr>
+        <p:spPr>
+          <a:xfrm>
+            <a:off x="381000" y="1447800"/>
+            <a:ext cx="8458200" cy="1477328"/>
+          </a:xfrm>
+          <a:prstGeom prst="rect">
+            <a:avLst/>
+          </a:prstGeom>
+          <a:noFill/>
+        </p:spPr>
+        <p:txBody>
+          <a:bodyPr wrap="square" rtlCol="0">
+            <a:spAutoFit/>
+          </a:bodyPr>
+          <a:lstStyle/>
+          <a:p>
+            <a:r>
+              <a:rPr lang="en-US" dirty="0"/>
+              <a:t>Short-term use in healthy men has produced no detrimental effect on blood pressure, plasma creatine , plasma CK activity, or the renal response </a:t>
+            </a:r>
+          </a:p>
+          <a:p>
+            <a:endParaRPr lang="en-US" dirty="0"/>
+          </a:p>
+          <a:p>
+            <a:r>
+              <a:rPr lang="en-US" dirty="0"/>
+              <a:t>Individuals with suspected renal malfunction should refrain from creatine supplementation </a:t>
+            </a:r>
+          </a:p>
+        </p:txBody>
+      </p:sp>
     </p:spTree>
     <p:extLst>
       <p:ext uri="{BB962C8B-B14F-4D97-AF65-F5344CB8AC3E}">
@@ -9995,6 +10401,53 @@
           </a:prstGeom>
         </p:spPr>
       </p:pic>
+      <p:sp>
+        <p:nvSpPr>
+          <p:cNvPr id="3" name="TextBox 2">
+            <a:extLst>
+              <a:ext uri="{FF2B5EF4-FFF2-40B4-BE49-F238E27FC236}">
+                <a16:creationId xmlns:a16="http://schemas.microsoft.com/office/drawing/2014/main" id="{E8498478-9DC5-411D-B0B4-3106C325BD08}"/>
+              </a:ext>
+            </a:extLst>
+          </p:cNvPr>
+          <p:cNvSpPr txBox="1"/>
+          <p:nvPr/>
+        </p:nvSpPr>
+        <p:spPr>
+          <a:xfrm>
+            <a:off x="914400" y="1752600"/>
+            <a:ext cx="6393656" cy="1200329"/>
+          </a:xfrm>
+          <a:prstGeom prst="rect">
+            <a:avLst/>
+          </a:prstGeom>
+          <a:noFill/>
+        </p:spPr>
+        <p:txBody>
+          <a:bodyPr wrap="square" rtlCol="0">
+            <a:spAutoFit/>
+          </a:bodyPr>
+          <a:lstStyle/>
+          <a:p>
+            <a:r>
+              <a:rPr lang="en-US" dirty="0"/>
+              <a:t>Important compound from normal cellular functioning </a:t>
+            </a:r>
+          </a:p>
+          <a:p>
+            <a:r>
+              <a:rPr lang="en-US" dirty="0"/>
+              <a:t>Must be obtained in the diet </a:t>
+            </a:r>
+          </a:p>
+          <a:p>
+            <a:r>
+              <a:rPr lang="en-US" dirty="0"/>
+              <a:t>Choline functions to depress accumulation of fat in the liver or to increase fatty acid uptake by the liver</a:t>
+            </a:r>
+          </a:p>
+        </p:txBody>
+      </p:sp>
     </p:spTree>
     <p:extLst>
       <p:ext uri="{BB962C8B-B14F-4D97-AF65-F5344CB8AC3E}">
@@ -10197,6 +10650,53 @@
           </a:p>
         </p:txBody>
       </p:sp>
+      <p:sp>
+        <p:nvSpPr>
+          <p:cNvPr id="2" name="TextBox 1">
+            <a:extLst>
+              <a:ext uri="{FF2B5EF4-FFF2-40B4-BE49-F238E27FC236}">
+                <a16:creationId xmlns:a16="http://schemas.microsoft.com/office/drawing/2014/main" id="{DB237DE2-B167-401E-BD9D-49D99432EC52}"/>
+              </a:ext>
+            </a:extLst>
+          </p:cNvPr>
+          <p:cNvSpPr txBox="1"/>
+          <p:nvPr/>
+        </p:nvSpPr>
+        <p:spPr>
+          <a:xfrm>
+            <a:off x="152400" y="1600200"/>
+            <a:ext cx="8029521" cy="1477328"/>
+          </a:xfrm>
+          <a:prstGeom prst="rect">
+            <a:avLst/>
+          </a:prstGeom>
+          <a:noFill/>
+        </p:spPr>
+        <p:txBody>
+          <a:bodyPr wrap="square" rtlCol="0">
+            <a:spAutoFit/>
+          </a:bodyPr>
+          <a:lstStyle/>
+          <a:p>
+            <a:r>
+              <a:rPr lang="en-US" dirty="0"/>
+              <a:t>Provide a rapid source of fatty acid fuel </a:t>
+            </a:r>
+          </a:p>
+          <a:p>
+            <a:r>
+              <a:rPr lang="en-US" dirty="0"/>
+              <a:t>Marketed to sports enthusiast as a fat burner , energy source , glycogen sparer , and muscle builder </a:t>
+            </a:r>
+          </a:p>
+          <a:p>
+            <a:r>
+              <a:rPr lang="en-US" dirty="0"/>
+              <a:t>The water-solubility of medium-chain fatty acids enables them to movie across the intestinal mucosa directly into the bloodstream </a:t>
+            </a:r>
+          </a:p>
+        </p:txBody>
+      </p:sp>
     </p:spTree>
     <p:extLst>
       <p:ext uri="{BB962C8B-B14F-4D97-AF65-F5344CB8AC3E}">
@@ -10260,6 +10760,53 @@
           </a:p>
         </p:txBody>
       </p:sp>
+      <p:sp>
+        <p:nvSpPr>
+          <p:cNvPr id="2" name="TextBox 1">
+            <a:extLst>
+              <a:ext uri="{FF2B5EF4-FFF2-40B4-BE49-F238E27FC236}">
+                <a16:creationId xmlns:a16="http://schemas.microsoft.com/office/drawing/2014/main" id="{D5583795-C3FE-4B13-998C-474F57778F6F}"/>
+              </a:ext>
+            </a:extLst>
+          </p:cNvPr>
+          <p:cNvSpPr txBox="1"/>
+          <p:nvPr/>
+        </p:nvSpPr>
+        <p:spPr>
+          <a:xfrm>
+            <a:off x="762000" y="1828800"/>
+            <a:ext cx="7904920" cy="1200329"/>
+          </a:xfrm>
+          <a:prstGeom prst="rect">
+            <a:avLst/>
+          </a:prstGeom>
+          <a:noFill/>
+        </p:spPr>
+        <p:txBody>
+          <a:bodyPr wrap="square" rtlCol="0">
+            <a:spAutoFit/>
+          </a:bodyPr>
+          <a:lstStyle/>
+          <a:p>
+            <a:r>
+              <a:rPr lang="en-US" dirty="0"/>
+              <a:t>Supplements of these lipids might spare liver and muscle glycogen during high-intensity aerobic exercise </a:t>
+            </a:r>
+          </a:p>
+          <a:p>
+            <a:r>
+              <a:rPr lang="en-US" dirty="0"/>
+              <a:t>Conflicting research exists about their use during exercise </a:t>
+            </a:r>
+          </a:p>
+          <a:p>
+            <a:r>
+              <a:rPr lang="en-US" dirty="0"/>
+              <a:t>Cramping and diarrhea often accompany excess intake of this lipid form</a:t>
+            </a:r>
+          </a:p>
+        </p:txBody>
+      </p:sp>
     </p:spTree>
     <p:extLst>
       <p:ext uri="{BB962C8B-B14F-4D97-AF65-F5344CB8AC3E}">
@@ -10337,6 +10884,47 @@
           </a:p>
         </p:txBody>
       </p:sp>
+      <p:sp>
+        <p:nvSpPr>
+          <p:cNvPr id="2" name="TextBox 1">
+            <a:extLst>
+              <a:ext uri="{FF2B5EF4-FFF2-40B4-BE49-F238E27FC236}">
+                <a16:creationId xmlns:a16="http://schemas.microsoft.com/office/drawing/2014/main" id="{5CFAA8A5-FCB8-4F72-96BB-B218CF60BCCD}"/>
+              </a:ext>
+            </a:extLst>
+          </p:cNvPr>
+          <p:cNvSpPr txBox="1"/>
+          <p:nvPr/>
+        </p:nvSpPr>
+        <p:spPr>
+          <a:xfrm>
+            <a:off x="364331" y="1600200"/>
+            <a:ext cx="6265069" cy="1477328"/>
+          </a:xfrm>
+          <a:prstGeom prst="rect">
+            <a:avLst/>
+          </a:prstGeom>
+          <a:noFill/>
+        </p:spPr>
+        <p:txBody>
+          <a:bodyPr wrap="square" rtlCol="0">
+            <a:spAutoFit/>
+          </a:bodyPr>
+          <a:lstStyle/>
+          <a:p>
+            <a:r>
+              <a:rPr lang="en-US" dirty="0"/>
+              <a:t>Promoted as a natural fat burner to facilitate weight loss and enhance endurance performance </a:t>
+            </a:r>
+          </a:p>
+          <a:p>
+            <a:r>
+              <a:rPr lang="en-US" dirty="0"/>
+              <a:t>Research findings indicate that increasing plasma HCA availability with supplementation exerts no effect on skeletal muscle fat oxidation during rest or exercise </a:t>
+            </a:r>
+          </a:p>
+        </p:txBody>
+      </p:sp>
     </p:spTree>
     <p:extLst>
       <p:ext uri="{BB962C8B-B14F-4D97-AF65-F5344CB8AC3E}">
@@ -10397,6 +10985,58 @@
               </a:rPr>
               <a:t>Pyruvate</a:t>
             </a:r>
+          </a:p>
+        </p:txBody>
+      </p:sp>
+      <p:sp>
+        <p:nvSpPr>
+          <p:cNvPr id="2" name="TextBox 1">
+            <a:extLst>
+              <a:ext uri="{FF2B5EF4-FFF2-40B4-BE49-F238E27FC236}">
+                <a16:creationId xmlns:a16="http://schemas.microsoft.com/office/drawing/2014/main" id="{169B4709-74CF-4123-92E1-74D83B2B3C09}"/>
+              </a:ext>
+            </a:extLst>
+          </p:cNvPr>
+          <p:cNvSpPr txBox="1"/>
+          <p:nvPr/>
+        </p:nvSpPr>
+        <p:spPr>
+          <a:xfrm>
+            <a:off x="342900" y="1371600"/>
+            <a:ext cx="8458200" cy="1477328"/>
+          </a:xfrm>
+          <a:prstGeom prst="rect">
+            <a:avLst/>
+          </a:prstGeom>
+          <a:noFill/>
+        </p:spPr>
+        <p:txBody>
+          <a:bodyPr wrap="square" rtlCol="0">
+            <a:spAutoFit/>
+          </a:bodyPr>
+          <a:lstStyle/>
+          <a:p>
+            <a:r>
+              <a:rPr lang="en-US" dirty="0"/>
+              <a:t>Three-carbon end product of the cytoplasmic breakdown of glucose in glycolysis</a:t>
+            </a:r>
+          </a:p>
+          <a:p>
+            <a:r>
+              <a:rPr lang="en-US" dirty="0"/>
+              <a:t>Exogenous pyruvate allegedly augments endurance exercise performance and promotes fat loss </a:t>
+            </a:r>
+          </a:p>
+          <a:p>
+            <a:r>
+              <a:rPr lang="en-US" dirty="0"/>
+              <a:t>Several reports indicate beneficial effects of exogenous pyruvate on </a:t>
+            </a:r>
+            <a:r>
+              <a:rPr lang="en-US"/>
+              <a:t>endurance performance </a:t>
+            </a:r>
+            <a:endParaRPr lang="en-US" dirty="0"/>
           </a:p>
         </p:txBody>
       </p:sp>
@@ -10518,7 +11158,35 @@
                 <a:latin typeface="Arial" panose="020B0604020202020204" pitchFamily="34" charset="0"/>
                 <a:cs typeface="Arial" panose="020B0604020202020204" pitchFamily="34" charset="0"/>
               </a:rPr>
-              <a:t>Popular method to increase glycogen reserves </a:t>
+              <a:t>Popular method to increase glycogen reserves</a:t>
+            </a:r>
+          </a:p>
+          <a:p>
+            <a:pPr>
+              <a:lnSpc>
+                <a:spcPct val="90000"/>
+              </a:lnSpc>
+            </a:pPr>
+            <a:r>
+              <a:rPr lang="en-US" altLang="en-US" sz="2700" dirty="0">
+                <a:latin typeface="Arial" panose="020B0604020202020204" pitchFamily="34" charset="0"/>
+                <a:cs typeface="Arial" panose="020B0604020202020204" pitchFamily="34" charset="0"/>
+              </a:rPr>
+              <a:t>Normally, each 100 g of muscle contains about 1.7 g of glycogen </a:t>
+            </a:r>
+          </a:p>
+          <a:p>
+            <a:pPr>
+              <a:lnSpc>
+                <a:spcPct val="90000"/>
+              </a:lnSpc>
+            </a:pPr>
+            <a:r>
+              <a:rPr lang="en-US" altLang="en-US" sz="2700" dirty="0">
+                <a:latin typeface="Arial" panose="020B0604020202020204" pitchFamily="34" charset="0"/>
+                <a:cs typeface="Arial" panose="020B0604020202020204" pitchFamily="34" charset="0"/>
+              </a:rPr>
+              <a:t>Carbohydrate loading packs up to 5 g of glycogen per 100 g of skeletal muscle  </a:t>
             </a:r>
           </a:p>
         </p:txBody>
@@ -10582,6 +11250,59 @@
                 <a:cs typeface="Arial" panose="020B0604020202020204" pitchFamily="34" charset="0"/>
               </a:rPr>
               <a:t>Carbohydrate Loading, continued</a:t>
+            </a:r>
+          </a:p>
+        </p:txBody>
+      </p:sp>
+      <p:sp>
+        <p:nvSpPr>
+          <p:cNvPr id="2" name="TextBox 1">
+            <a:extLst>
+              <a:ext uri="{FF2B5EF4-FFF2-40B4-BE49-F238E27FC236}">
+                <a16:creationId xmlns:a16="http://schemas.microsoft.com/office/drawing/2014/main" id="{955E2CCA-5E37-4DBF-847A-06F25C7D7C70}"/>
+              </a:ext>
+            </a:extLst>
+          </p:cNvPr>
+          <p:cNvSpPr txBox="1"/>
+          <p:nvPr/>
+        </p:nvSpPr>
+        <p:spPr>
+          <a:xfrm>
+            <a:off x="381000" y="1295400"/>
+            <a:ext cx="7696200" cy="1477328"/>
+          </a:xfrm>
+          <a:prstGeom prst="rect">
+            <a:avLst/>
+          </a:prstGeom>
+          <a:noFill/>
+        </p:spPr>
+        <p:txBody>
+          <a:bodyPr wrap="square" rtlCol="0">
+            <a:spAutoFit/>
+          </a:bodyPr>
+          <a:lstStyle/>
+          <a:p>
+            <a:r>
+              <a:rPr lang="en-US" dirty="0"/>
+              <a:t>Reduced the muscle’s glycogen content with prolonged exercise </a:t>
+            </a:r>
+          </a:p>
+          <a:p>
+            <a:r>
+              <a:rPr lang="en-US" dirty="0"/>
+              <a:t>Maintain a low-carbohydrate diet ( about 60-100 g/day) for several days </a:t>
+            </a:r>
+          </a:p>
+          <a:p>
+            <a:r>
+              <a:rPr lang="en-US" dirty="0"/>
+              <a:t>Glycogen depletion increases formation of glycogen-storing enzyme glycogen synthetase in the muscle </a:t>
+            </a:r>
+          </a:p>
+          <a:p>
+            <a:r>
+              <a:rPr lang="en-US" dirty="0"/>
+              <a:t>3 days prior to competition , switch to a high-carbohydrate diet (400-700 g/day)</a:t>
             </a:r>
           </a:p>
         </p:txBody>
@@ -10751,29 +11472,28 @@
         </p:spPr>
         <p:txBody>
           <a:bodyPr>
-            <a:normAutofit/>
+            <a:normAutofit fontScale="92500" lnSpcReduction="10000"/>
           </a:bodyPr>
           <a:lstStyle/>
           <a:p>
             <a:pPr eaLnBrk="1" hangingPunct="1"/>
-            <a:endParaRPr lang="en-US" altLang="en-US" b="1" dirty="0">
-              <a:latin typeface="Arial" panose="020B0604020202020204" pitchFamily="34" charset="0"/>
-              <a:cs typeface="Arial" panose="020B0604020202020204" pitchFamily="34" charset="0"/>
-            </a:endParaRPr>
+            <a:r>
+              <a:rPr lang="en-US" altLang="en-US" dirty="0">
+                <a:latin typeface="Arial" panose="020B0604020202020204" pitchFamily="34" charset="0"/>
+                <a:cs typeface="Arial" panose="020B0604020202020204" pitchFamily="34" charset="0"/>
+              </a:rPr>
+              <a:t>Only benefits intense aerobic activities lasting &gt; than 60 minutes </a:t>
+            </a:r>
           </a:p>
           <a:p>
             <a:pPr eaLnBrk="1" hangingPunct="1"/>
-            <a:endParaRPr lang="en-US" altLang="en-US" b="1" dirty="0">
-              <a:latin typeface="Arial" panose="020B0604020202020204" pitchFamily="34" charset="0"/>
-              <a:cs typeface="Arial" panose="020B0604020202020204" pitchFamily="34" charset="0"/>
-            </a:endParaRPr>
-          </a:p>
-          <a:p>
-            <a:pPr eaLnBrk="1" hangingPunct="1"/>
-            <a:endParaRPr lang="en-US" altLang="en-US" b="1" dirty="0">
-              <a:latin typeface="Arial" panose="020B0604020202020204" pitchFamily="34" charset="0"/>
-              <a:cs typeface="Arial" panose="020B0604020202020204" pitchFamily="34" charset="0"/>
-            </a:endParaRPr>
+            <a:r>
+              <a:rPr lang="en-US" altLang="en-US" dirty="0">
+                <a:latin typeface="Arial" panose="020B0604020202020204" pitchFamily="34" charset="0"/>
+                <a:cs typeface="Arial" panose="020B0604020202020204" pitchFamily="34" charset="0"/>
+              </a:rPr>
+              <a:t>Causes a person to feel “heavy” due to the addition of 2.7 g of water with each gram of glycogen stored </a:t>
+            </a:r>
           </a:p>
           <a:p>
             <a:pPr eaLnBrk="1" hangingPunct="1"/>
@@ -10790,6 +11510,46 @@
                 <a:cs typeface="Arial" panose="020B0604020202020204" pitchFamily="34" charset="0"/>
               </a:rPr>
               <a:t> affects individuals susceptible to:</a:t>
+            </a:r>
+          </a:p>
+          <a:p>
+            <a:pPr lvl="1"/>
+            <a:r>
+              <a:rPr lang="en-US" altLang="en-US" dirty="0">
+                <a:latin typeface="Arial" panose="020B0604020202020204" pitchFamily="34" charset="0"/>
+                <a:cs typeface="Arial" panose="020B0604020202020204" pitchFamily="34" charset="0"/>
+              </a:rPr>
+              <a:t>T2DM</a:t>
+            </a:r>
+          </a:p>
+          <a:p>
+            <a:pPr lvl="1"/>
+            <a:r>
+              <a:rPr lang="en-US" altLang="en-US" dirty="0">
+                <a:latin typeface="Arial" panose="020B0604020202020204" pitchFamily="34" charset="0"/>
+                <a:cs typeface="Arial" panose="020B0604020202020204" pitchFamily="34" charset="0"/>
+              </a:rPr>
+              <a:t>Heat disease </a:t>
+            </a:r>
+          </a:p>
+          <a:p>
+            <a:pPr lvl="1"/>
+            <a:r>
+              <a:rPr lang="en-US" altLang="en-US" dirty="0">
+                <a:latin typeface="Arial" panose="020B0604020202020204" pitchFamily="34" charset="0"/>
+                <a:cs typeface="Arial" panose="020B0604020202020204" pitchFamily="34" charset="0"/>
+              </a:rPr>
+              <a:t>Muscle enzyme deficiencies </a:t>
+            </a:r>
+          </a:p>
+          <a:p>
+            <a:pPr lvl="1"/>
+            <a:r>
+              <a:rPr lang="en-US" altLang="en-US" dirty="0">
+                <a:latin typeface="Arial" panose="020B0604020202020204" pitchFamily="34" charset="0"/>
+                <a:cs typeface="Arial" panose="020B0604020202020204" pitchFamily="34" charset="0"/>
+              </a:rPr>
+              <a:t>Renal Disease</a:t>
             </a:r>
           </a:p>
         </p:txBody>
@@ -10885,10 +11645,13 @@
               </a:lnSpc>
               <a:buNone/>
             </a:pPr>
-            <a:endParaRPr lang="en-US" altLang="en-US" sz="2800" dirty="0">
-              <a:latin typeface="Arial" panose="020B0604020202020204" pitchFamily="34" charset="0"/>
-              <a:cs typeface="Arial" panose="020B0604020202020204" pitchFamily="34" charset="0"/>
-            </a:endParaRPr>
+            <a:r>
+              <a:rPr lang="en-US" altLang="en-US" sz="2800" dirty="0">
+                <a:latin typeface="Arial" panose="020B0604020202020204" pitchFamily="34" charset="0"/>
+                <a:cs typeface="Arial" panose="020B0604020202020204" pitchFamily="34" charset="0"/>
+              </a:rPr>
+              <a:t>Fact or Fiction? </a:t>
+            </a:r>
           </a:p>
           <a:p>
             <a:pPr marL="0" indent="0" eaLnBrk="1" hangingPunct="1">
@@ -10897,10 +11660,13 @@
               </a:lnSpc>
               <a:buNone/>
             </a:pPr>
-            <a:endParaRPr lang="en-US" altLang="en-US" sz="2800" dirty="0">
-              <a:latin typeface="Arial" panose="020B0604020202020204" pitchFamily="34" charset="0"/>
-              <a:cs typeface="Arial" panose="020B0604020202020204" pitchFamily="34" charset="0"/>
-            </a:endParaRPr>
+            <a:r>
+              <a:rPr lang="en-US" altLang="en-US" sz="2800" dirty="0">
+                <a:latin typeface="Arial" panose="020B0604020202020204" pitchFamily="34" charset="0"/>
+                <a:cs typeface="Arial" panose="020B0604020202020204" pitchFamily="34" charset="0"/>
+              </a:rPr>
+              <a:t>The use of amino acid supplements boosts the body’s natural production of anabolic hormones </a:t>
+            </a:r>
           </a:p>
           <a:p>
             <a:pPr marL="0" indent="0" eaLnBrk="1" hangingPunct="1">
@@ -11156,6 +11922,59 @@
                 <a:cs typeface="Arial" panose="020B0604020202020204" pitchFamily="34" charset="0"/>
               </a:rPr>
               <a:t>-Carnitine</a:t>
+            </a:r>
+          </a:p>
+        </p:txBody>
+      </p:sp>
+      <p:sp>
+        <p:nvSpPr>
+          <p:cNvPr id="3" name="TextBox 2">
+            <a:extLst>
+              <a:ext uri="{FF2B5EF4-FFF2-40B4-BE49-F238E27FC236}">
+                <a16:creationId xmlns:a16="http://schemas.microsoft.com/office/drawing/2014/main" id="{6B545AFC-6A7D-40B7-BB77-DA6ABDF20F37}"/>
+              </a:ext>
+            </a:extLst>
+          </p:cNvPr>
+          <p:cNvSpPr txBox="1"/>
+          <p:nvPr/>
+        </p:nvSpPr>
+        <p:spPr>
+          <a:xfrm>
+            <a:off x="228600" y="1981200"/>
+            <a:ext cx="5029200" cy="1477328"/>
+          </a:xfrm>
+          <a:prstGeom prst="rect">
+            <a:avLst/>
+          </a:prstGeom>
+          <a:noFill/>
+        </p:spPr>
+        <p:txBody>
+          <a:bodyPr wrap="square" rtlCol="0">
+            <a:spAutoFit/>
+          </a:bodyPr>
+          <a:lstStyle/>
+          <a:p>
+            <a:r>
+              <a:rPr lang="en-US" dirty="0"/>
+              <a:t>A short-chain carboxylic acid containing nitrogen</a:t>
+            </a:r>
+          </a:p>
+          <a:p>
+            <a:r>
+              <a:rPr lang="en-US" dirty="0"/>
+              <a:t>Found mostly in meat and dairy products</a:t>
+            </a:r>
+          </a:p>
+          <a:p>
+            <a:r>
+              <a:rPr lang="en-US" dirty="0"/>
+              <a:t>Liver and kidneys synthesize L-carnitine from methionine and lysine</a:t>
+            </a:r>
+          </a:p>
+          <a:p>
+            <a:r>
+              <a:rPr lang="en-US" dirty="0"/>
+              <a:t>Vital to normal metabolism</a:t>
             </a:r>
           </a:p>
         </p:txBody>
